--- a/Bike_Share/共享單車如何成功.pptx
+++ b/Bike_Share/共享單車如何成功.pptx
@@ -2408,21 +2408,7 @@
               <a:latin typeface="標楷體" panose="03000509000000000000" pitchFamily="65" charset="-120"/>
               <a:ea typeface="標楷體" panose="03000509000000000000" pitchFamily="65" charset="-120"/>
             </a:rPr>
-            <a:t>若問題需要數據支持，還請在會議後用</a:t>
-          </a:r>
-          <a:r>
-            <a:rPr lang="en-US" altLang="zh-TW" dirty="0">
-              <a:latin typeface="標楷體" panose="03000509000000000000" pitchFamily="65" charset="-120"/>
-              <a:ea typeface="標楷體" panose="03000509000000000000" pitchFamily="65" charset="-120"/>
-            </a:rPr>
-            <a:t>Email</a:t>
-          </a:r>
-          <a:r>
-            <a:rPr lang="zh-TW" altLang="en-US" dirty="0">
-              <a:latin typeface="標楷體" panose="03000509000000000000" pitchFamily="65" charset="-120"/>
-              <a:ea typeface="標楷體" panose="03000509000000000000" pitchFamily="65" charset="-120"/>
-            </a:rPr>
-            <a:t>告知</a:t>
+            <a:t>若問題需要數據支持，還請在會議後用告知</a:t>
           </a:r>
           <a:endParaRPr lang="en-US" dirty="0">
             <a:latin typeface="標楷體" panose="03000509000000000000" pitchFamily="65" charset="-120"/>
@@ -3762,7 +3748,7 @@
         </a:bodyPr>
         <a:lstStyle/>
         <a:p>
-          <a:pPr marL="0" lvl="0" indent="0" algn="ctr" defTabSz="977900">
+          <a:pPr marL="0" lvl="0" indent="0" algn="ctr" defTabSz="1022350">
             <a:lnSpc>
               <a:spcPct val="90000"/>
             </a:lnSpc>
@@ -3776,13 +3762,13 @@
             <a:defRPr cap="all"/>
           </a:pPr>
           <a:r>
-            <a:rPr lang="zh-TW" altLang="en-US" sz="2200" kern="1200" dirty="0">
+            <a:rPr lang="zh-TW" altLang="en-US" sz="2300" kern="1200" dirty="0">
               <a:latin typeface="標楷體" panose="03000509000000000000" pitchFamily="65" charset="-120"/>
               <a:ea typeface="標楷體" panose="03000509000000000000" pitchFamily="65" charset="-120"/>
             </a:rPr>
             <a:t>感謝聆聽</a:t>
           </a:r>
-          <a:endParaRPr lang="en-US" sz="2200" kern="1200" dirty="0">
+          <a:endParaRPr lang="en-US" sz="2300" kern="1200" dirty="0">
             <a:latin typeface="標楷體" panose="03000509000000000000" pitchFamily="65" charset="-120"/>
             <a:ea typeface="標楷體" panose="03000509000000000000" pitchFamily="65" charset="-120"/>
           </a:endParaRPr>
@@ -3919,7 +3905,7 @@
         </a:bodyPr>
         <a:lstStyle/>
         <a:p>
-          <a:pPr marL="0" lvl="0" indent="0" algn="ctr" defTabSz="977900">
+          <a:pPr marL="0" lvl="0" indent="0" algn="ctr" defTabSz="1022350">
             <a:lnSpc>
               <a:spcPct val="90000"/>
             </a:lnSpc>
@@ -3933,13 +3919,13 @@
             <a:defRPr cap="all"/>
           </a:pPr>
           <a:r>
-            <a:rPr lang="zh-TW" altLang="en-US" sz="2200" kern="1200" dirty="0">
+            <a:rPr lang="zh-TW" altLang="en-US" sz="2300" kern="1200" dirty="0">
               <a:latin typeface="標楷體" panose="03000509000000000000" pitchFamily="65" charset="-120"/>
               <a:ea typeface="標楷體" panose="03000509000000000000" pitchFamily="65" charset="-120"/>
             </a:rPr>
             <a:t>歡迎提問</a:t>
           </a:r>
-          <a:endParaRPr lang="en-US" sz="2200" kern="1200" dirty="0">
+          <a:endParaRPr lang="en-US" sz="2300" kern="1200" dirty="0">
             <a:latin typeface="標楷體" panose="03000509000000000000" pitchFamily="65" charset="-120"/>
             <a:ea typeface="標楷體" panose="03000509000000000000" pitchFamily="65" charset="-120"/>
           </a:endParaRPr>
@@ -4076,7 +4062,7 @@
         </a:bodyPr>
         <a:lstStyle/>
         <a:p>
-          <a:pPr marL="0" lvl="0" indent="0" algn="ctr" defTabSz="977900">
+          <a:pPr marL="0" lvl="0" indent="0" algn="ctr" defTabSz="1022350">
             <a:lnSpc>
               <a:spcPct val="90000"/>
             </a:lnSpc>
@@ -4090,27 +4076,13 @@
             <a:defRPr cap="all"/>
           </a:pPr>
           <a:r>
-            <a:rPr lang="zh-TW" altLang="en-US" sz="2200" kern="1200" dirty="0">
+            <a:rPr lang="zh-TW" altLang="en-US" sz="2300" kern="1200" dirty="0">
               <a:latin typeface="標楷體" panose="03000509000000000000" pitchFamily="65" charset="-120"/>
               <a:ea typeface="標楷體" panose="03000509000000000000" pitchFamily="65" charset="-120"/>
             </a:rPr>
-            <a:t>若問題需要數據支持，還請在會議後用</a:t>
+            <a:t>若問題需要數據支持，還請在會議後用告知</a:t>
           </a:r>
-          <a:r>
-            <a:rPr lang="en-US" altLang="zh-TW" sz="2200" kern="1200" dirty="0">
-              <a:latin typeface="標楷體" panose="03000509000000000000" pitchFamily="65" charset="-120"/>
-              <a:ea typeface="標楷體" panose="03000509000000000000" pitchFamily="65" charset="-120"/>
-            </a:rPr>
-            <a:t>Email</a:t>
-          </a:r>
-          <a:r>
-            <a:rPr lang="zh-TW" altLang="en-US" sz="2200" kern="1200" dirty="0">
-              <a:latin typeface="標楷體" panose="03000509000000000000" pitchFamily="65" charset="-120"/>
-              <a:ea typeface="標楷體" panose="03000509000000000000" pitchFamily="65" charset="-120"/>
-            </a:rPr>
-            <a:t>告知</a:t>
-          </a:r>
-          <a:endParaRPr lang="en-US" sz="2200" kern="1200" dirty="0">
+          <a:endParaRPr lang="en-US" sz="2300" kern="1200" dirty="0">
             <a:latin typeface="標楷體" panose="03000509000000000000" pitchFamily="65" charset="-120"/>
             <a:ea typeface="標楷體" panose="03000509000000000000" pitchFamily="65" charset="-120"/>
           </a:endParaRPr>
@@ -6682,7 +6654,7 @@
           <a:p>
             <a:fld id="{D875AD11-EA77-4B9E-BB80-86C404D5CDFF}" type="datetimeFigureOut">
               <a:rPr lang="zh-TW" altLang="en-US" smtClean="0"/>
-              <a:t>2024/3/8</a:t>
+              <a:t>2024/3/10</a:t>
             </a:fld>
             <a:endParaRPr lang="zh-TW" altLang="en-US"/>
           </a:p>
@@ -7288,7 +7260,7 @@
           <a:p>
             <a:fld id="{E6D58518-40FE-4391-8D67-8017A93E5007}" type="datetimeFigureOut">
               <a:rPr lang="zh-TW" altLang="en-US" smtClean="0"/>
-              <a:t>2024/3/8</a:t>
+              <a:t>2024/3/10</a:t>
             </a:fld>
             <a:endParaRPr lang="zh-TW" altLang="en-US"/>
           </a:p>
@@ -7486,7 +7458,7 @@
           <a:p>
             <a:fld id="{E6D58518-40FE-4391-8D67-8017A93E5007}" type="datetimeFigureOut">
               <a:rPr lang="zh-TW" altLang="en-US" smtClean="0"/>
-              <a:t>2024/3/8</a:t>
+              <a:t>2024/3/10</a:t>
             </a:fld>
             <a:endParaRPr lang="zh-TW" altLang="en-US"/>
           </a:p>
@@ -7694,7 +7666,7 @@
           <a:p>
             <a:fld id="{E6D58518-40FE-4391-8D67-8017A93E5007}" type="datetimeFigureOut">
               <a:rPr lang="zh-TW" altLang="en-US" smtClean="0"/>
-              <a:t>2024/3/8</a:t>
+              <a:t>2024/3/10</a:t>
             </a:fld>
             <a:endParaRPr lang="zh-TW" altLang="en-US"/>
           </a:p>
@@ -7892,7 +7864,7 @@
           <a:p>
             <a:fld id="{E6D58518-40FE-4391-8D67-8017A93E5007}" type="datetimeFigureOut">
               <a:rPr lang="zh-TW" altLang="en-US" smtClean="0"/>
-              <a:t>2024/3/8</a:t>
+              <a:t>2024/3/10</a:t>
             </a:fld>
             <a:endParaRPr lang="zh-TW" altLang="en-US"/>
           </a:p>
@@ -8090,7 +8062,7 @@
           <a:p>
             <a:fld id="{E6D58518-40FE-4391-8D67-8017A93E5007}" type="datetimeFigureOut">
               <a:rPr lang="zh-TW" altLang="en-US" smtClean="0"/>
-              <a:t>2024/3/8</a:t>
+              <a:t>2024/3/10</a:t>
             </a:fld>
             <a:endParaRPr lang="zh-TW" altLang="en-US"/>
           </a:p>
@@ -8365,7 +8337,7 @@
           <a:p>
             <a:fld id="{E6D58518-40FE-4391-8D67-8017A93E5007}" type="datetimeFigureOut">
               <a:rPr lang="zh-TW" altLang="en-US" smtClean="0"/>
-              <a:t>2024/3/8</a:t>
+              <a:t>2024/3/10</a:t>
             </a:fld>
             <a:endParaRPr lang="zh-TW" altLang="en-US"/>
           </a:p>
@@ -8630,7 +8602,7 @@
           <a:p>
             <a:fld id="{E6D58518-40FE-4391-8D67-8017A93E5007}" type="datetimeFigureOut">
               <a:rPr lang="zh-TW" altLang="en-US" smtClean="0"/>
-              <a:t>2024/3/8</a:t>
+              <a:t>2024/3/10</a:t>
             </a:fld>
             <a:endParaRPr lang="zh-TW" altLang="en-US"/>
           </a:p>
@@ -9042,7 +9014,7 @@
           <a:p>
             <a:fld id="{E6D58518-40FE-4391-8D67-8017A93E5007}" type="datetimeFigureOut">
               <a:rPr lang="zh-TW" altLang="en-US" smtClean="0"/>
-              <a:t>2024/3/8</a:t>
+              <a:t>2024/3/10</a:t>
             </a:fld>
             <a:endParaRPr lang="zh-TW" altLang="en-US"/>
           </a:p>
@@ -9183,7 +9155,7 @@
           <a:p>
             <a:fld id="{E6D58518-40FE-4391-8D67-8017A93E5007}" type="datetimeFigureOut">
               <a:rPr lang="zh-TW" altLang="en-US" smtClean="0"/>
-              <a:t>2024/3/8</a:t>
+              <a:t>2024/3/10</a:t>
             </a:fld>
             <a:endParaRPr lang="zh-TW" altLang="en-US"/>
           </a:p>
@@ -9296,7 +9268,7 @@
           <a:p>
             <a:fld id="{E6D58518-40FE-4391-8D67-8017A93E5007}" type="datetimeFigureOut">
               <a:rPr lang="zh-TW" altLang="en-US" smtClean="0"/>
-              <a:t>2024/3/8</a:t>
+              <a:t>2024/3/10</a:t>
             </a:fld>
             <a:endParaRPr lang="zh-TW" altLang="en-US"/>
           </a:p>
@@ -9607,7 +9579,7 @@
           <a:p>
             <a:fld id="{E6D58518-40FE-4391-8D67-8017A93E5007}" type="datetimeFigureOut">
               <a:rPr lang="zh-TW" altLang="en-US" smtClean="0"/>
-              <a:t>2024/3/8</a:t>
+              <a:t>2024/3/10</a:t>
             </a:fld>
             <a:endParaRPr lang="zh-TW" altLang="en-US"/>
           </a:p>
@@ -9898,7 +9870,7 @@
           <a:p>
             <a:fld id="{E6D58518-40FE-4391-8D67-8017A93E5007}" type="datetimeFigureOut">
               <a:rPr lang="zh-TW" altLang="en-US" smtClean="0"/>
-              <a:t>2024/3/8</a:t>
+              <a:t>2024/3/10</a:t>
             </a:fld>
             <a:endParaRPr lang="zh-TW" altLang="en-US"/>
           </a:p>
@@ -10139,7 +10111,7 @@
           <a:p>
             <a:fld id="{E6D58518-40FE-4391-8D67-8017A93E5007}" type="datetimeFigureOut">
               <a:rPr lang="zh-TW" altLang="en-US" smtClean="0"/>
-              <a:t>2024/3/8</a:t>
+              <a:t>2024/3/10</a:t>
             </a:fld>
             <a:endParaRPr lang="zh-TW" altLang="en-US"/>
           </a:p>
@@ -10972,7 +10944,7 @@
         <p:spPr>
           <a:xfrm>
             <a:off x="5622061" y="762538"/>
-            <a:ext cx="5649349" cy="3199862"/>
+            <a:ext cx="5963060" cy="3199862"/>
           </a:xfrm>
         </p:spPr>
         <p:txBody>
@@ -11504,14 +11476,14 @@
           <a:p>
             <a:pPr algn="ctr"/>
             <a:r>
-              <a:rPr lang="zh-TW" altLang="en-US" sz="2800" dirty="0">
+              <a:rPr lang="zh-TW" altLang="en-US" dirty="0">
                 <a:latin typeface="標楷體" panose="03000509000000000000" pitchFamily="65" charset="-120"/>
                 <a:ea typeface="標楷體" panose="03000509000000000000" pitchFamily="65" charset="-120"/>
                 <a:cs typeface="Times New Roman" panose="02020603050405020304" pitchFamily="18" charset="0"/>
               </a:rPr>
               <a:t>分析</a:t>
             </a:r>
-            <a:endParaRPr lang="en-US" altLang="zh-TW" sz="2800" kern="1200" dirty="0">
+            <a:endParaRPr lang="en-US" altLang="zh-TW" kern="1200" dirty="0">
               <a:solidFill>
                 <a:schemeClr val="tx1"/>
               </a:solidFill>
@@ -11608,8 +11580,8 @@
         </p:nvSpPr>
         <p:spPr>
           <a:xfrm>
-            <a:off x="5449633" y="3487865"/>
-            <a:ext cx="5742432" cy="2344708"/>
+            <a:off x="5449632" y="3487865"/>
+            <a:ext cx="6151817" cy="2816270"/>
           </a:xfrm>
         </p:spPr>
         <p:txBody>
@@ -11622,23 +11594,23 @@
               <a:buNone/>
             </a:pPr>
             <a:r>
+              <a:rPr lang="zh-TW" altLang="en-US" b="1" dirty="0">
+                <a:latin typeface="標楷體" panose="03000509000000000000" pitchFamily="65" charset="-120"/>
+                <a:ea typeface="標楷體" panose="03000509000000000000" pitchFamily="65" charset="-120"/>
+                <a:cs typeface="Times New Roman" panose="02020603050405020304" pitchFamily="18" charset="0"/>
+              </a:rPr>
+              <a:t>分析摘要</a:t>
+            </a:r>
+          </a:p>
+          <a:p>
+            <a:pPr marL="628650" indent="-342900"/>
+            <a:r>
               <a:rPr lang="zh-TW" altLang="en-US" sz="2200" dirty="0">
                 <a:latin typeface="標楷體" panose="03000509000000000000" pitchFamily="65" charset="-120"/>
                 <a:ea typeface="標楷體" panose="03000509000000000000" pitchFamily="65" charset="-120"/>
                 <a:cs typeface="Times New Roman" panose="02020603050405020304" pitchFamily="18" charset="0"/>
               </a:rPr>
-              <a:t>我的分析摘要</a:t>
-            </a:r>
-          </a:p>
-          <a:p>
-            <a:pPr marL="628650" indent="-342900"/>
-            <a:r>
-              <a:rPr lang="zh-TW" altLang="en-US" sz="2200" dirty="0">
-                <a:latin typeface="標楷體" panose="03000509000000000000" pitchFamily="65" charset="-120"/>
-                <a:ea typeface="標楷體" panose="03000509000000000000" pitchFamily="65" charset="-120"/>
-                <a:cs typeface="Times New Roman" panose="02020603050405020304" pitchFamily="18" charset="0"/>
-              </a:rPr>
-              <a:t>大多數騎乘者都是會員使用者。</a:t>
+              <a:t>大多數騎乘者都是會員。</a:t>
             </a:r>
           </a:p>
           <a:p>
@@ -11680,7 +11652,7 @@
                 <a:ea typeface="標楷體" panose="03000509000000000000" pitchFamily="65" charset="-120"/>
                 <a:cs typeface="Times New Roman" panose="02020603050405020304" pitchFamily="18" charset="0"/>
               </a:rPr>
-              <a:t>使用無樁電動自行車，會員使用者更喜歡經典自行車，而兩者對電動自行車的使用幾乎相同。</a:t>
+              <a:t>使用無樁電動自行車，會員更喜歡經典自行車，而會員使用電動自行車數幾乎是散客使用數的兩倍。</a:t>
             </a:r>
             <a:endParaRPr lang="en-US" altLang="zh-TW" sz="2200" b="0" i="0" dirty="0">
               <a:effectLst/>
@@ -12004,14 +11976,14 @@
           <a:p>
             <a:pPr algn="ctr"/>
             <a:r>
-              <a:rPr lang="zh-TW" altLang="en-US" sz="2800" dirty="0">
+              <a:rPr lang="zh-TW" altLang="en-US" dirty="0">
                 <a:latin typeface="標楷體" panose="03000509000000000000" pitchFamily="65" charset="-120"/>
                 <a:ea typeface="標楷體" panose="03000509000000000000" pitchFamily="65" charset="-120"/>
                 <a:cs typeface="Times New Roman" panose="02020603050405020304" pitchFamily="18" charset="0"/>
               </a:rPr>
               <a:t>分析</a:t>
             </a:r>
-            <a:endParaRPr lang="en-US" altLang="zh-TW" sz="2800" kern="1200" dirty="0">
+            <a:endParaRPr lang="en-US" altLang="zh-TW" kern="1200" dirty="0">
               <a:solidFill>
                 <a:schemeClr val="tx1"/>
               </a:solidFill>
@@ -12122,12 +12094,12 @@
               <a:buNone/>
             </a:pPr>
             <a:r>
-              <a:rPr lang="zh-TW" altLang="en-US" sz="2400" dirty="0">
+              <a:rPr lang="zh-TW" altLang="en-US" b="1" dirty="0">
                 <a:latin typeface="標楷體" panose="03000509000000000000" pitchFamily="65" charset="-120"/>
                 <a:ea typeface="標楷體" panose="03000509000000000000" pitchFamily="65" charset="-120"/>
                 <a:cs typeface="Times New Roman" panose="02020603050405020304" pitchFamily="18" charset="0"/>
               </a:rPr>
-              <a:t>我的分析摘要</a:t>
+              <a:t>分析摘要</a:t>
             </a:r>
           </a:p>
           <a:p>
@@ -12181,8 +12153,13 @@
                 <a:ea typeface="標楷體" panose="03000509000000000000" pitchFamily="65" charset="-120"/>
                 <a:cs typeface="Times New Roman" panose="02020603050405020304" pitchFamily="18" charset="0"/>
               </a:rPr>
-              <a:t>月）的乘車次數有所增加，而且夏季的臨時乘車人數超過了會員乘車人數。</a:t>
-            </a:r>
+              <a:t>月）的乘車次數有所增加</a:t>
+            </a:r>
+            <a:endParaRPr lang="en-US" altLang="zh-TW" sz="2400" dirty="0">
+              <a:latin typeface="標楷體" panose="03000509000000000000" pitchFamily="65" charset="-120"/>
+              <a:ea typeface="標楷體" panose="03000509000000000000" pitchFamily="65" charset="-120"/>
+              <a:cs typeface="Times New Roman" panose="02020603050405020304" pitchFamily="18" charset="0"/>
+            </a:endParaRPr>
           </a:p>
           <a:p>
             <a:r>
@@ -12191,33 +12168,36 @@
                 <a:ea typeface="標楷體" panose="03000509000000000000" pitchFamily="65" charset="-120"/>
                 <a:cs typeface="Times New Roman" panose="02020603050405020304" pitchFamily="18" charset="0"/>
               </a:rPr>
-              <a:t>與平日相比，週末臨時乘坐的乘車時長。最終會員在所有工作日的乘車時長幾乎相同。</a:t>
-            </a:r>
-          </a:p>
-          <a:p>
+              <a:t>會員數一直都大於</a:t>
+            </a:r>
+            <a:r>
+              <a:rPr lang="zh-TW" altLang="en-US" sz="2400" dirty="0">
+                <a:solidFill>
+                  <a:srgbClr val="1F1F1F"/>
+                </a:solidFill>
+                <a:latin typeface="標楷體" panose="03000509000000000000" pitchFamily="65" charset="-120"/>
+                <a:ea typeface="標楷體" panose="03000509000000000000" pitchFamily="65" charset="-120"/>
+                <a:cs typeface="Times New Roman" panose="02020603050405020304" pitchFamily="18" charset="0"/>
+              </a:rPr>
+              <a:t>散客</a:t>
+            </a:r>
             <a:r>
               <a:rPr lang="zh-TW" altLang="en-US" sz="2400" dirty="0">
                 <a:latin typeface="標楷體" panose="03000509000000000000" pitchFamily="65" charset="-120"/>
                 <a:ea typeface="標楷體" panose="03000509000000000000" pitchFamily="65" charset="-120"/>
                 <a:cs typeface="Times New Roman" panose="02020603050405020304" pitchFamily="18" charset="0"/>
               </a:rPr>
-              <a:t>同年（</a:t>
-            </a:r>
-            <a:r>
-              <a:rPr lang="en-US" altLang="zh-TW" sz="2400" dirty="0">
-                <a:latin typeface="標楷體" panose="03000509000000000000" pitchFamily="65" charset="-120"/>
-                <a:ea typeface="標楷體" panose="03000509000000000000" pitchFamily="65" charset="-120"/>
-                <a:cs typeface="Times New Roman" panose="02020603050405020304" pitchFamily="18" charset="0"/>
-              </a:rPr>
-              <a:t>2023</a:t>
-            </a:r>
+              <a:t>數。</a:t>
+            </a:r>
+          </a:p>
+          <a:p>
             <a:r>
               <a:rPr lang="zh-TW" altLang="en-US" sz="2400" dirty="0">
                 <a:latin typeface="標楷體" panose="03000509000000000000" pitchFamily="65" charset="-120"/>
                 <a:ea typeface="標楷體" panose="03000509000000000000" pitchFamily="65" charset="-120"/>
                 <a:cs typeface="Times New Roman" panose="02020603050405020304" pitchFamily="18" charset="0"/>
               </a:rPr>
-              <a:t>年），</a:t>
+              <a:t>與平日相比，週末</a:t>
             </a:r>
             <a:r>
               <a:rPr lang="zh-TW" altLang="en-US" sz="2400" dirty="0">
@@ -12237,7 +12217,52 @@
                 <a:ea typeface="標楷體" panose="03000509000000000000" pitchFamily="65" charset="-120"/>
                 <a:cs typeface="Times New Roman" panose="02020603050405020304" pitchFamily="18" charset="0"/>
               </a:rPr>
-              <a:t>的平均乘車時間是乘客乘客的兩倍以上。</a:t>
+              <a:t>的乘車時長較長。而會員在所有工作日的乘車時長幾乎相同。</a:t>
+            </a:r>
+          </a:p>
+          <a:p>
+            <a:r>
+              <a:rPr lang="zh-TW" altLang="en-US" sz="2400" dirty="0">
+                <a:latin typeface="標楷體" panose="03000509000000000000" pitchFamily="65" charset="-120"/>
+                <a:ea typeface="標楷體" panose="03000509000000000000" pitchFamily="65" charset="-120"/>
+                <a:cs typeface="Times New Roman" panose="02020603050405020304" pitchFamily="18" charset="0"/>
+              </a:rPr>
+              <a:t>同年（</a:t>
+            </a:r>
+            <a:r>
+              <a:rPr lang="en-US" altLang="zh-TW" sz="2400" dirty="0">
+                <a:latin typeface="標楷體" panose="03000509000000000000" pitchFamily="65" charset="-120"/>
+                <a:ea typeface="標楷體" panose="03000509000000000000" pitchFamily="65" charset="-120"/>
+                <a:cs typeface="Times New Roman" panose="02020603050405020304" pitchFamily="18" charset="0"/>
+              </a:rPr>
+              <a:t>2023</a:t>
+            </a:r>
+            <a:r>
+              <a:rPr lang="zh-TW" altLang="en-US" sz="2400" dirty="0">
+                <a:latin typeface="標楷體" panose="03000509000000000000" pitchFamily="65" charset="-120"/>
+                <a:ea typeface="標楷體" panose="03000509000000000000" pitchFamily="65" charset="-120"/>
+                <a:cs typeface="Times New Roman" panose="02020603050405020304" pitchFamily="18" charset="0"/>
+              </a:rPr>
+              <a:t>年），</a:t>
+            </a:r>
+            <a:r>
+              <a:rPr lang="zh-TW" altLang="en-US" sz="2400" dirty="0">
+                <a:solidFill>
+                  <a:srgbClr val="1F1F1F"/>
+                </a:solidFill>
+                <a:latin typeface="標楷體" panose="03000509000000000000" pitchFamily="65" charset="-120"/>
+                <a:ea typeface="標楷體" panose="03000509000000000000" pitchFamily="65" charset="-120"/>
+                <a:cs typeface="Times New Roman" panose="02020603050405020304" pitchFamily="18" charset="0"/>
+              </a:rPr>
+              <a:t>會員</a:t>
+            </a:r>
+            <a:r>
+              <a:rPr lang="zh-TW" altLang="en-US" sz="2400" dirty="0">
+                <a:latin typeface="標楷體" panose="03000509000000000000" pitchFamily="65" charset="-120"/>
+                <a:ea typeface="標楷體" panose="03000509000000000000" pitchFamily="65" charset="-120"/>
+                <a:cs typeface="Times New Roman" panose="02020603050405020304" pitchFamily="18" charset="0"/>
+              </a:rPr>
+              <a:t>平均乘車時間是散客的兩倍以上。</a:t>
             </a:r>
             <a:endParaRPr lang="en-US" altLang="zh-TW" sz="2200" b="0" i="0" dirty="0">
               <a:effectLst/>
@@ -12418,10 +12443,12 @@
           <a:lstStyle/>
           <a:p>
             <a:r>
-              <a:rPr lang="en-US" altLang="zh-TW" dirty="0"/>
-              <a:t>Bike usage</a:t>
-            </a:r>
-            <a:endParaRPr lang="zh-TW" altLang="en-US" dirty="0"/>
+              <a:rPr lang="zh-TW" altLang="en-US" dirty="0">
+                <a:latin typeface="標楷體" panose="03000509000000000000" pitchFamily="65" charset="-120"/>
+                <a:ea typeface="標楷體" panose="03000509000000000000" pitchFamily="65" charset="-120"/>
+              </a:rPr>
+              <a:t>單車使用</a:t>
+            </a:r>
           </a:p>
         </p:txBody>
       </p:sp>
@@ -12687,6 +12714,9 @@
           <a:p>
             <a:r>
               <a:rPr lang="zh-TW" altLang="en-US" sz="4400" dirty="0">
+                <a:solidFill>
+                  <a:schemeClr val="bg1"/>
+                </a:solidFill>
                 <a:latin typeface="標楷體" panose="03000509000000000000" pitchFamily="65" charset="-120"/>
                 <a:ea typeface="標楷體" panose="03000509000000000000" pitchFamily="65" charset="-120"/>
                 <a:cs typeface="Times New Roman" panose="02020603050405020304" pitchFamily="18" charset="0"/>
@@ -12695,7 +12725,7 @@
             </a:r>
             <a:endParaRPr lang="en-US" altLang="zh-TW" kern="1200" dirty="0">
               <a:solidFill>
-                <a:srgbClr val="FFFFFF"/>
+                <a:schemeClr val="bg1"/>
               </a:solidFill>
               <a:latin typeface="Times New Roman" panose="02020603050405020304" pitchFamily="18" charset="0"/>
               <a:cs typeface="Times New Roman" panose="02020603050405020304" pitchFamily="18" charset="0"/>
@@ -12788,7 +12818,7 @@
         </p:spPr>
         <p:txBody>
           <a:bodyPr vert="horz" lIns="91440" tIns="45720" rIns="91440" bIns="45720" rtlCol="0" anchor="ctr">
-            <a:normAutofit fontScale="70000" lnSpcReduction="20000"/>
+            <a:normAutofit fontScale="62500" lnSpcReduction="20000"/>
           </a:bodyPr>
           <a:lstStyle/>
           <a:p>
@@ -12796,7 +12826,7 @@
               <a:buNone/>
             </a:pPr>
             <a:r>
-              <a:rPr lang="zh-TW" altLang="en-US" sz="2400" dirty="0">
+              <a:rPr lang="zh-TW" altLang="en-US" sz="4000" dirty="0">
                 <a:latin typeface="標楷體" panose="03000509000000000000" pitchFamily="65" charset="-120"/>
                 <a:ea typeface="標楷體" panose="03000509000000000000" pitchFamily="65" charset="-120"/>
                 <a:cs typeface="Times New Roman" panose="02020603050405020304" pitchFamily="18" charset="0"/>
@@ -12804,7 +12834,7 @@
               <a:t>問</a:t>
             </a:r>
             <a:r>
-              <a:rPr lang="en-US" altLang="zh-TW" sz="2400" dirty="0">
+              <a:rPr lang="en-US" altLang="zh-TW" sz="4000" dirty="0">
                 <a:latin typeface="標楷體" panose="03000509000000000000" pitchFamily="65" charset="-120"/>
                 <a:ea typeface="標楷體" panose="03000509000000000000" pitchFamily="65" charset="-120"/>
                 <a:cs typeface="Times New Roman" panose="02020603050405020304" pitchFamily="18" charset="0"/>
@@ -12815,14 +12845,14 @@
           <a:p>
             <a:pPr algn="ctr"/>
             <a:r>
-              <a:rPr lang="zh-TW" altLang="en-US" sz="2400" dirty="0">
+              <a:rPr lang="zh-TW" altLang="en-US" sz="3200" dirty="0">
                 <a:latin typeface="標楷體" panose="03000509000000000000" pitchFamily="65" charset="-120"/>
                 <a:ea typeface="標楷體" panose="03000509000000000000" pitchFamily="65" charset="-120"/>
                 <a:cs typeface="Times New Roman" panose="02020603050405020304" pitchFamily="18" charset="0"/>
               </a:rPr>
               <a:t>年度會員和散客使用公司自行車的方式有何不同？</a:t>
             </a:r>
-            <a:endParaRPr lang="en-US" altLang="zh-TW" sz="2400" dirty="0">
+            <a:endParaRPr lang="en-US" altLang="zh-TW" sz="3200" dirty="0">
               <a:latin typeface="標楷體" panose="03000509000000000000" pitchFamily="65" charset="-120"/>
               <a:ea typeface="標楷體" panose="03000509000000000000" pitchFamily="65" charset="-120"/>
               <a:cs typeface="Times New Roman" panose="02020603050405020304" pitchFamily="18" charset="0"/>
@@ -12843,7 +12873,7 @@
               <a:buNone/>
             </a:pPr>
             <a:r>
-              <a:rPr lang="zh-TW" altLang="en-US" sz="2400" dirty="0">
+              <a:rPr lang="zh-TW" altLang="en-US" sz="4000" dirty="0">
                 <a:latin typeface="標楷體" panose="03000509000000000000" pitchFamily="65" charset="-120"/>
                 <a:ea typeface="標楷體" panose="03000509000000000000" pitchFamily="65" charset="-120"/>
                 <a:cs typeface="Times New Roman" panose="02020603050405020304" pitchFamily="18" charset="0"/>
@@ -12851,7 +12881,7 @@
               <a:t>答</a:t>
             </a:r>
             <a:r>
-              <a:rPr lang="en-US" altLang="zh-TW" sz="2400" dirty="0">
+              <a:rPr lang="en-US" altLang="zh-TW" sz="4000" dirty="0">
                 <a:latin typeface="標楷體" panose="03000509000000000000" pitchFamily="65" charset="-120"/>
                 <a:ea typeface="標楷體" panose="03000509000000000000" pitchFamily="65" charset="-120"/>
                 <a:cs typeface="Times New Roman" panose="02020603050405020304" pitchFamily="18" charset="0"/>
@@ -12862,7 +12892,7 @@
           <a:p>
             <a:pPr rtl="0"/>
             <a:r>
-              <a:rPr lang="zh-TW" altLang="en-US" dirty="0">
+              <a:rPr lang="zh-TW" altLang="en-US" sz="3200" dirty="0">
                 <a:solidFill>
                   <a:srgbClr val="1F1F1F"/>
                 </a:solidFill>
@@ -12880,7 +12910,7 @@
               <a:buAutoNum type="arabicPeriod"/>
             </a:pPr>
             <a:r>
-              <a:rPr lang="zh-TW" altLang="en-US" dirty="0">
+              <a:rPr lang="zh-TW" altLang="en-US" sz="3200" dirty="0">
                 <a:solidFill>
                   <a:srgbClr val="1F1F1F"/>
                 </a:solidFill>
@@ -12898,7 +12928,7 @@
               <a:buAutoNum type="arabicPeriod"/>
             </a:pPr>
             <a:r>
-              <a:rPr lang="zh-TW" altLang="en-US" dirty="0">
+              <a:rPr lang="zh-TW" altLang="en-US" sz="3200" dirty="0">
                 <a:solidFill>
                   <a:srgbClr val="1F1F1F"/>
                 </a:solidFill>
@@ -12909,7 +12939,7 @@
               </a:rPr>
               <a:t>年度會員：騎乘次數較多，這可能表示他們將自行車用於通勤或差事。他們的平均騎行時間較短，但週末騎行時間也較長。</a:t>
             </a:r>
-            <a:endParaRPr lang="en-US" altLang="zh-TW" dirty="0">
+            <a:endParaRPr lang="en-US" altLang="zh-TW" sz="3200" dirty="0">
               <a:solidFill>
                 <a:srgbClr val="1F1F1F"/>
               </a:solidFill>
@@ -12924,7 +12954,7 @@
               <a:buFont typeface="+mj-lt"/>
               <a:buAutoNum type="arabicPeriod"/>
             </a:pPr>
-            <a:endParaRPr lang="zh-TW" altLang="en-US" dirty="0">
+            <a:endParaRPr lang="zh-TW" altLang="en-US" sz="3200" dirty="0">
               <a:solidFill>
                 <a:srgbClr val="1F1F1F"/>
               </a:solidFill>
@@ -12937,7 +12967,7 @@
           <a:p>
             <a:pPr rtl="0"/>
             <a:r>
-              <a:rPr lang="zh-TW" altLang="en-US" dirty="0">
+              <a:rPr lang="zh-TW" altLang="en-US" sz="3200" dirty="0">
                 <a:solidFill>
                   <a:srgbClr val="1F1F1F"/>
                 </a:solidFill>
@@ -12955,7 +12985,7 @@
               <a:buAutoNum type="arabicPeriod"/>
             </a:pPr>
             <a:r>
-              <a:rPr lang="zh-TW" altLang="en-US" dirty="0">
+              <a:rPr lang="zh-TW" altLang="en-US" sz="3200" dirty="0">
                 <a:solidFill>
                   <a:srgbClr val="1F1F1F"/>
                 </a:solidFill>
@@ -12973,7 +13003,7 @@
               <a:buAutoNum type="arabicPeriod"/>
             </a:pPr>
             <a:r>
-              <a:rPr lang="zh-TW" altLang="en-US" sz="2800" dirty="0">
+              <a:rPr lang="zh-TW" altLang="en-US" sz="3200" dirty="0">
                 <a:latin typeface="標楷體" panose="03000509000000000000" pitchFamily="65" charset="-120"/>
                 <a:ea typeface="標楷體" panose="03000509000000000000" pitchFamily="65" charset="-120"/>
                 <a:cs typeface="Times New Roman" panose="02020603050405020304" pitchFamily="18" charset="0"/>
@@ -12981,7 +13011,7 @@
               <a:t>年度會員</a:t>
             </a:r>
             <a:r>
-              <a:rPr lang="zh-TW" altLang="en-US" dirty="0">
+              <a:rPr lang="zh-TW" altLang="en-US" sz="3200" dirty="0">
                 <a:solidFill>
                   <a:srgbClr val="1F1F1F"/>
                 </a:solidFill>
@@ -12992,7 +13022,7 @@
               </a:rPr>
               <a:t>：喜歡經典自行車，但也幾乎同樣使用電動自行車。這可能表明他們將通勤和休閒目的結合在一起，在某些情況下選擇電動自行車是為了提高效率或增加樂趣。</a:t>
             </a:r>
-            <a:endParaRPr lang="en-US" altLang="zh-TW" dirty="0">
+            <a:endParaRPr lang="en-US" altLang="zh-TW" sz="3200" dirty="0">
               <a:solidFill>
                 <a:srgbClr val="1F1F1F"/>
               </a:solidFill>
@@ -13007,7 +13037,7 @@
               <a:buFont typeface="+mj-lt"/>
               <a:buAutoNum type="arabicPeriod"/>
             </a:pPr>
-            <a:endParaRPr lang="zh-TW" altLang="en-US" dirty="0">
+            <a:endParaRPr lang="zh-TW" altLang="en-US" sz="3200" dirty="0">
               <a:solidFill>
                 <a:srgbClr val="1F1F1F"/>
               </a:solidFill>
@@ -13019,7 +13049,7 @@
           </a:p>
           <a:p>
             <a:r>
-              <a:rPr lang="zh-TW" altLang="en-US" dirty="0">
+              <a:rPr lang="zh-TW" altLang="en-US" sz="3200" dirty="0">
                 <a:solidFill>
                   <a:srgbClr val="1F1F1F"/>
                 </a:solidFill>
@@ -13031,7 +13061,7 @@
               <a:t>季節性：兩組人都是在</a:t>
             </a:r>
             <a:r>
-              <a:rPr lang="zh-TW" altLang="en-US" dirty="0">
+              <a:rPr lang="zh-TW" altLang="en-US" sz="3200" dirty="0">
                 <a:solidFill>
                   <a:srgbClr val="1F1F1F"/>
                 </a:solidFill>
@@ -13042,7 +13072,7 @@
               <a:t>吻夏季騎車的頻率最高，這與休閒活動和可能更溫暖的天氣相合</a:t>
             </a:r>
             <a:r>
-              <a:rPr lang="zh-TW" altLang="en-US" dirty="0">
+              <a:rPr lang="zh-TW" altLang="en-US" sz="3200" dirty="0">
                 <a:solidFill>
                   <a:srgbClr val="1F1F1F"/>
                 </a:solidFill>
@@ -13053,7 +13083,7 @@
               </a:rPr>
               <a:t>。</a:t>
             </a:r>
-            <a:endParaRPr lang="en-US" altLang="zh-TW" dirty="0">
+            <a:endParaRPr lang="en-US" altLang="zh-TW" sz="3200" dirty="0">
               <a:solidFill>
                 <a:srgbClr val="1F1F1F"/>
               </a:solidFill>
@@ -13327,6 +13357,9 @@
           <a:p>
             <a:r>
               <a:rPr lang="zh-TW" altLang="en-US" sz="4400" dirty="0">
+                <a:solidFill>
+                  <a:schemeClr val="bg1"/>
+                </a:solidFill>
                 <a:latin typeface="標楷體" panose="03000509000000000000" pitchFamily="65" charset="-120"/>
                 <a:ea typeface="標楷體" panose="03000509000000000000" pitchFamily="65" charset="-120"/>
                 <a:cs typeface="Times New Roman" panose="02020603050405020304" pitchFamily="18" charset="0"/>
@@ -13335,7 +13368,7 @@
             </a:r>
             <a:endParaRPr lang="en-US" altLang="zh-TW" kern="1200" dirty="0">
               <a:solidFill>
-                <a:srgbClr val="FFFFFF"/>
+                <a:schemeClr val="bg1"/>
               </a:solidFill>
               <a:latin typeface="Times New Roman" panose="02020603050405020304" pitchFamily="18" charset="0"/>
               <a:cs typeface="Times New Roman" panose="02020603050405020304" pitchFamily="18" charset="0"/>
@@ -13436,12 +13469,12 @@
               <a:buNone/>
             </a:pPr>
             <a:r>
-              <a:rPr lang="zh-TW" altLang="en-US" sz="2400" dirty="0">
+              <a:rPr lang="zh-TW" altLang="en-US" sz="3200" dirty="0">
                 <a:latin typeface="標楷體" panose="03000509000000000000" pitchFamily="65" charset="-120"/>
                 <a:ea typeface="標楷體" panose="03000509000000000000" pitchFamily="65" charset="-120"/>
                 <a:cs typeface="Times New Roman" panose="02020603050405020304" pitchFamily="18" charset="0"/>
               </a:rPr>
-              <a:t>我根據分析提出的三大建議</a:t>
+              <a:t>三大建議</a:t>
             </a:r>
           </a:p>
           <a:p>
@@ -13944,7 +13977,7 @@
           <p:nvPr>
             <p:extLst>
               <p:ext uri="{D42A27DB-BD31-4B8C-83A1-F6EECF244321}">
-                <p14:modId xmlns:p14="http://schemas.microsoft.com/office/powerpoint/2010/main" val="462814210"/>
+                <p14:modId xmlns:p14="http://schemas.microsoft.com/office/powerpoint/2010/main" val="1050860802"/>
               </p:ext>
             </p:extLst>
           </p:nvPr>
@@ -14215,8 +14248,8 @@
         </p:nvSpPr>
         <p:spPr>
           <a:xfrm>
-            <a:off x="0" y="1153572"/>
-            <a:ext cx="3887234" cy="4461163"/>
+            <a:off x="412926" y="1198418"/>
+            <a:ext cx="2596243" cy="4461163"/>
           </a:xfrm>
         </p:spPr>
         <p:txBody>
@@ -14335,11 +14368,11 @@
           </a:bodyPr>
           <a:lstStyle/>
           <a:p>
-            <a:pPr marL="0" indent="0">
+            <a:pPr marL="0" indent="0" algn="ctr">
               <a:buNone/>
             </a:pPr>
             <a:r>
-              <a:rPr lang="zh-TW" altLang="en-US" sz="2400" dirty="0">
+              <a:rPr lang="zh-TW" altLang="en-US" b="1" dirty="0">
                 <a:latin typeface="標楷體" panose="03000509000000000000" pitchFamily="65" charset="-120"/>
                 <a:ea typeface="標楷體" panose="03000509000000000000" pitchFamily="65" charset="-120"/>
                 <a:cs typeface="Times New Roman" panose="02020603050405020304" pitchFamily="18" charset="0"/>
@@ -14374,11 +14407,11 @@
             </a:endParaRPr>
           </a:p>
           <a:p>
-            <a:pPr marL="0" indent="0">
+            <a:pPr marL="0" indent="0" algn="ctr">
               <a:buNone/>
             </a:pPr>
             <a:r>
-              <a:rPr lang="zh-TW" altLang="en-US" sz="2400" dirty="0">
+              <a:rPr lang="zh-TW" altLang="en-US" b="1" dirty="0">
                 <a:latin typeface="標楷體" panose="03000509000000000000" pitchFamily="65" charset="-120"/>
                 <a:ea typeface="標楷體" panose="03000509000000000000" pitchFamily="65" charset="-120"/>
                 <a:cs typeface="Times New Roman" panose="02020603050405020304" pitchFamily="18" charset="0"/>
@@ -14403,7 +14436,7 @@
                 <a:ea typeface="標楷體" panose="03000509000000000000" pitchFamily="65" charset="-120"/>
                 <a:cs typeface="Times New Roman" panose="02020603050405020304" pitchFamily="18" charset="0"/>
               </a:rPr>
-              <a:t>行銷總監認為公司未來的成功取決於年度會員數的最大化。</a:t>
+              <a:t>行銷總監認為公司未來的成功取決於會員數的最大化。</a:t>
             </a:r>
           </a:p>
           <a:p>
@@ -14413,7 +14446,7 @@
                 <a:ea typeface="標楷體" panose="03000509000000000000" pitchFamily="65" charset="-120"/>
                 <a:cs typeface="Times New Roman" panose="02020603050405020304" pitchFamily="18" charset="0"/>
               </a:rPr>
-              <a:t>因此，團隊希望了解休閒騎行者和年度會員使用公司自行車的不同方式。</a:t>
+              <a:t>因此，團隊希望了解休閒騎行者和會員使用公司自行車的不同方式。</a:t>
             </a:r>
           </a:p>
           <a:p>
@@ -14440,7 +14473,7 @@
                 <a:ea typeface="標楷體" panose="03000509000000000000" pitchFamily="65" charset="-120"/>
                 <a:cs typeface="Times New Roman" panose="02020603050405020304" pitchFamily="18" charset="0"/>
               </a:rPr>
-              <a:t>轉變為年度會員。</a:t>
+              <a:t>轉變為會員。</a:t>
             </a:r>
             <a:endParaRPr lang="en-US" altLang="zh-TW" sz="2200" dirty="0">
               <a:latin typeface="標楷體" panose="03000509000000000000" pitchFamily="65" charset="-120"/>
@@ -14828,7 +14861,7 @@
           <a:lstStyle/>
           <a:p>
             <a:r>
-              <a:rPr lang="en-US" altLang="zh-TW" dirty="0">
+              <a:rPr lang="en-US" altLang="zh-TW" sz="2400" dirty="0">
                 <a:latin typeface="標楷體" panose="03000509000000000000" pitchFamily="65" charset="-120"/>
                 <a:ea typeface="標楷體" panose="03000509000000000000" pitchFamily="65" charset="-120"/>
                 <a:cs typeface="Times New Roman" panose="02020603050405020304" pitchFamily="18" charset="0"/>
@@ -14836,7 +14869,7 @@
               <a:t>A</a:t>
             </a:r>
             <a:r>
-              <a:rPr lang="zh-TW" altLang="en-US" dirty="0">
+              <a:rPr lang="zh-TW" altLang="en-US" sz="2400" dirty="0">
                 <a:latin typeface="標楷體" panose="03000509000000000000" pitchFamily="65" charset="-120"/>
                 <a:ea typeface="標楷體" panose="03000509000000000000" pitchFamily="65" charset="-120"/>
                 <a:cs typeface="Times New Roman" panose="02020603050405020304" pitchFamily="18" charset="0"/>
@@ -14845,7 +14878,7 @@
             </a:r>
           </a:p>
           <a:p>
-            <a:endParaRPr lang="zh-TW" altLang="en-US" dirty="0">
+            <a:endParaRPr lang="zh-TW" altLang="en-US" sz="2400" dirty="0">
               <a:latin typeface="標楷體" panose="03000509000000000000" pitchFamily="65" charset="-120"/>
               <a:ea typeface="標楷體" panose="03000509000000000000" pitchFamily="65" charset="-120"/>
               <a:cs typeface="Times New Roman" panose="02020603050405020304" pitchFamily="18" charset="0"/>
@@ -14853,7 +14886,7 @@
           </a:p>
           <a:p>
             <a:r>
-              <a:rPr lang="zh-TW" altLang="en-US" dirty="0">
+              <a:rPr lang="zh-TW" altLang="en-US" sz="2400" dirty="0">
                 <a:latin typeface="標楷體" panose="03000509000000000000" pitchFamily="65" charset="-120"/>
                 <a:ea typeface="標楷體" panose="03000509000000000000" pitchFamily="65" charset="-120"/>
                 <a:cs typeface="Times New Roman" panose="02020603050405020304" pitchFamily="18" charset="0"/>
@@ -14862,7 +14895,7 @@
             </a:r>
           </a:p>
           <a:p>
-            <a:endParaRPr lang="zh-TW" altLang="en-US" dirty="0">
+            <a:endParaRPr lang="zh-TW" altLang="en-US" sz="2400" dirty="0">
               <a:latin typeface="標楷體" panose="03000509000000000000" pitchFamily="65" charset="-120"/>
               <a:ea typeface="標楷體" panose="03000509000000000000" pitchFamily="65" charset="-120"/>
               <a:cs typeface="Times New Roman" panose="02020603050405020304" pitchFamily="18" charset="0"/>
@@ -14870,14 +14903,14 @@
           </a:p>
           <a:p>
             <a:r>
-              <a:rPr lang="zh-TW" altLang="en-US" dirty="0">
+              <a:rPr lang="zh-TW" altLang="en-US" sz="2400" dirty="0">
                 <a:latin typeface="標楷體" panose="03000509000000000000" pitchFamily="65" charset="-120"/>
                 <a:ea typeface="標楷體" panose="03000509000000000000" pitchFamily="65" charset="-120"/>
                 <a:cs typeface="Times New Roman" panose="02020603050405020304" pitchFamily="18" charset="0"/>
               </a:rPr>
               <a:t>執行團隊：以注重細節著稱的執行團隊將決定是否批准建議的行銷計畫。</a:t>
             </a:r>
-            <a:endParaRPr lang="en-US" altLang="zh-TW" dirty="0">
+            <a:endParaRPr lang="en-US" altLang="zh-TW" sz="2400" dirty="0">
               <a:latin typeface="標楷體" panose="03000509000000000000" pitchFamily="65" charset="-120"/>
               <a:ea typeface="標楷體" panose="03000509000000000000" pitchFamily="65" charset="-120"/>
               <a:cs typeface="Times New Roman" panose="02020603050405020304" pitchFamily="18" charset="0"/>
@@ -15416,7 +15449,7 @@
                 <a:ea typeface="標楷體" panose="03000509000000000000" pitchFamily="65" charset="-120"/>
                 <a:cs typeface="Times New Roman" panose="02020603050405020304" pitchFamily="18" charset="0"/>
               </a:rPr>
-              <a:t>行動： 分析歷史數據，了解休閒騎乘者與會員之間的差異、成為會員的動機、數位媒體的影響。</a:t>
+              <a:t>行動： 分析歷史數據，了解散客與會員之間的差異、成為會員的動機、數位媒體的影響。</a:t>
             </a:r>
             <a:endParaRPr lang="en-US" altLang="zh-TW" sz="2400" dirty="0">
               <a:effectLst/>
@@ -16266,6 +16299,9 @@
           <a:p>
             <a:r>
               <a:rPr lang="zh-TW" altLang="en-US" sz="4400" dirty="0">
+                <a:solidFill>
+                  <a:schemeClr val="bg1"/>
+                </a:solidFill>
                 <a:latin typeface="標楷體" panose="03000509000000000000" pitchFamily="65" charset="-120"/>
                 <a:ea typeface="標楷體" panose="03000509000000000000" pitchFamily="65" charset="-120"/>
                 <a:cs typeface="Times New Roman" panose="02020603050405020304" pitchFamily="18" charset="0"/>
@@ -16274,7 +16310,7 @@
             </a:r>
             <a:endParaRPr lang="en-US" altLang="zh-TW" kern="1200" dirty="0">
               <a:solidFill>
-                <a:srgbClr val="FFFFFF"/>
+                <a:schemeClr val="bg1"/>
               </a:solidFill>
               <a:latin typeface="Times New Roman" panose="02020603050405020304" pitchFamily="18" charset="0"/>
               <a:cs typeface="Times New Roman" panose="02020603050405020304" pitchFamily="18" charset="0"/>
@@ -16375,7 +16411,7 @@
               <a:buNone/>
             </a:pPr>
             <a:r>
-              <a:rPr lang="zh-TW" altLang="en-US" sz="2400" dirty="0">
+              <a:rPr lang="zh-TW" altLang="en-US" dirty="0">
                 <a:latin typeface="標楷體" panose="03000509000000000000" pitchFamily="65" charset="-120"/>
                 <a:ea typeface="標楷體" panose="03000509000000000000" pitchFamily="65" charset="-120"/>
                 <a:cs typeface="Times New Roman" panose="02020603050405020304" pitchFamily="18" charset="0"/>
@@ -16409,7 +16445,7 @@
               <a:buNone/>
             </a:pPr>
             <a:r>
-              <a:rPr lang="zh-TW" altLang="en-US" sz="2400" dirty="0">
+              <a:rPr lang="zh-TW" altLang="en-US" dirty="0">
                 <a:latin typeface="標楷體" panose="03000509000000000000" pitchFamily="65" charset="-120"/>
                 <a:ea typeface="標楷體" panose="03000509000000000000" pitchFamily="65" charset="-120"/>
                 <a:cs typeface="Times New Roman" panose="02020603050405020304" pitchFamily="18" charset="0"/>
@@ -16441,7 +16477,24 @@
                 <a:ea typeface="標楷體" panose="03000509000000000000" pitchFamily="65" charset="-120"/>
                 <a:cs typeface="Times New Roman" panose="02020603050405020304" pitchFamily="18" charset="0"/>
               </a:rPr>
-              <a:t>和年度會員使用自行車的不同方式。從這些洞察中，幫助團隊設計新的行銷策略，將臨時騎乘者轉化為年度會員。</a:t>
+              <a:t>和會員使用自行車的不同方式。從這些洞察中，幫助團隊設計新的行銷策略，將</a:t>
+            </a:r>
+            <a:r>
+              <a:rPr lang="zh-TW" altLang="en-US" sz="2400" dirty="0">
+                <a:effectLst/>
+                <a:latin typeface="標楷體" panose="03000509000000000000" pitchFamily="65" charset="-120"/>
+                <a:ea typeface="標楷體" panose="03000509000000000000" pitchFamily="65" charset="-120"/>
+                <a:cs typeface="Times New Roman" panose="02020603050405020304" pitchFamily="18" charset="0"/>
+              </a:rPr>
+              <a:t>散客</a:t>
+            </a:r>
+            <a:r>
+              <a:rPr lang="zh-TW" altLang="en-US" sz="2400" dirty="0">
+                <a:latin typeface="標楷體" panose="03000509000000000000" pitchFamily="65" charset="-120"/>
+                <a:ea typeface="標楷體" panose="03000509000000000000" pitchFamily="65" charset="-120"/>
+                <a:cs typeface="Times New Roman" panose="02020603050405020304" pitchFamily="18" charset="0"/>
+              </a:rPr>
+              <a:t>轉化為會員。</a:t>
             </a:r>
             <a:endParaRPr lang="en-US" altLang="zh-TW" sz="2200" dirty="0">
               <a:latin typeface="標楷體" panose="03000509000000000000" pitchFamily="65" charset="-120"/>
@@ -16713,6 +16766,9 @@
           <a:p>
             <a:r>
               <a:rPr lang="zh-TW" altLang="en-US" sz="4400" dirty="0">
+                <a:solidFill>
+                  <a:schemeClr val="bg1"/>
+                </a:solidFill>
                 <a:latin typeface="標楷體" panose="03000509000000000000" pitchFamily="65" charset="-120"/>
                 <a:ea typeface="標楷體" panose="03000509000000000000" pitchFamily="65" charset="-120"/>
                 <a:cs typeface="Times New Roman" panose="02020603050405020304" pitchFamily="18" charset="0"/>
@@ -16721,7 +16777,7 @@
             </a:r>
             <a:endParaRPr lang="en-US" altLang="zh-TW" kern="1200" dirty="0">
               <a:solidFill>
-                <a:srgbClr val="FFFFFF"/>
+                <a:schemeClr val="bg1"/>
               </a:solidFill>
               <a:latin typeface="Times New Roman" panose="02020603050405020304" pitchFamily="18" charset="0"/>
               <a:cs typeface="Times New Roman" panose="02020603050405020304" pitchFamily="18" charset="0"/>
@@ -16822,7 +16878,7 @@
               <a:buNone/>
             </a:pPr>
             <a:r>
-              <a:rPr lang="zh-TW" altLang="en-US" sz="2400" dirty="0">
+              <a:rPr lang="zh-TW" altLang="en-US" dirty="0">
                 <a:latin typeface="標楷體" panose="03000509000000000000" pitchFamily="65" charset="-120"/>
                 <a:ea typeface="標楷體" panose="03000509000000000000" pitchFamily="65" charset="-120"/>
                 <a:cs typeface="Times New Roman" panose="02020603050405020304" pitchFamily="18" charset="0"/>
@@ -16830,7 +16886,7 @@
               <a:t>問</a:t>
             </a:r>
             <a:r>
-              <a:rPr lang="en-US" altLang="zh-TW" sz="2400" dirty="0">
+              <a:rPr lang="en-US" altLang="zh-TW" dirty="0">
                 <a:latin typeface="標楷體" panose="03000509000000000000" pitchFamily="65" charset="-120"/>
                 <a:ea typeface="標楷體" panose="03000509000000000000" pitchFamily="65" charset="-120"/>
                 <a:cs typeface="Times New Roman" panose="02020603050405020304" pitchFamily="18" charset="0"/>
@@ -16869,7 +16925,7 @@
               <a:buNone/>
             </a:pPr>
             <a:r>
-              <a:rPr lang="zh-TW" altLang="en-US" sz="2400" dirty="0">
+              <a:rPr lang="zh-TW" altLang="en-US" dirty="0">
                 <a:latin typeface="標楷體" panose="03000509000000000000" pitchFamily="65" charset="-120"/>
                 <a:ea typeface="標楷體" panose="03000509000000000000" pitchFamily="65" charset="-120"/>
                 <a:cs typeface="Times New Roman" panose="02020603050405020304" pitchFamily="18" charset="0"/>
@@ -16877,7 +16933,7 @@
               <a:t>答</a:t>
             </a:r>
             <a:r>
-              <a:rPr lang="en-US" altLang="zh-TW" sz="2400" dirty="0">
+              <a:rPr lang="en-US" altLang="zh-TW" dirty="0">
                 <a:latin typeface="標楷體" panose="03000509000000000000" pitchFamily="65" charset="-120"/>
                 <a:ea typeface="標楷體" panose="03000509000000000000" pitchFamily="65" charset="-120"/>
                 <a:cs typeface="Times New Roman" panose="02020603050405020304" pitchFamily="18" charset="0"/>
@@ -16897,20 +16953,19 @@
                 <a:ea typeface="標楷體" panose="03000509000000000000" pitchFamily="65" charset="-120"/>
                 <a:cs typeface="Times New Roman" panose="02020603050405020304" pitchFamily="18" charset="0"/>
               </a:rPr>
-              <a:t>這些數據由 </a:t>
-            </a:r>
-            <a:r>
-              <a:rPr lang="en-US" altLang="zh-TW" sz="2400" b="0" i="0" dirty="0">
-                <a:solidFill>
-                  <a:srgbClr val="3C4043"/>
-                </a:solidFill>
-                <a:effectLst/>
-                <a:latin typeface="標楷體" panose="03000509000000000000" pitchFamily="65" charset="-120"/>
-                <a:ea typeface="標楷體" panose="03000509000000000000" pitchFamily="65" charset="-120"/>
-                <a:cs typeface="Times New Roman" panose="02020603050405020304" pitchFamily="18" charset="0"/>
-              </a:rPr>
-              <a:t>Motivate International Inc. </a:t>
-            </a:r>
+              <a:t>這些數據屬於公開數據，可用於探索不同客戶類型如何使用自行車。</a:t>
+            </a:r>
+            <a:endParaRPr lang="en-US" altLang="zh-TW" sz="2400" dirty="0">
+              <a:solidFill>
+                <a:srgbClr val="3C4043"/>
+              </a:solidFill>
+              <a:latin typeface="標楷體" panose="03000509000000000000" pitchFamily="65" charset="-120"/>
+              <a:ea typeface="標楷體" panose="03000509000000000000" pitchFamily="65" charset="-120"/>
+              <a:cs typeface="Times New Roman" panose="02020603050405020304" pitchFamily="18" charset="0"/>
+            </a:endParaRPr>
+          </a:p>
+          <a:p>
+            <a:pPr marL="628650" indent="-342900"/>
             <a:r>
               <a:rPr lang="zh-TW" altLang="en-US" sz="2400" b="0" i="0" dirty="0">
                 <a:solidFill>
@@ -16921,19 +16976,19 @@
                 <a:ea typeface="標楷體" panose="03000509000000000000" pitchFamily="65" charset="-120"/>
                 <a:cs typeface="Times New Roman" panose="02020603050405020304" pitchFamily="18" charset="0"/>
               </a:rPr>
-              <a:t>提供，屬於公開數據，可用於探索不同客戶類型如何使用自行車。</a:t>
-            </a:r>
-            <a:endParaRPr lang="en-US" altLang="zh-TW" sz="2400" dirty="0">
-              <a:solidFill>
-                <a:srgbClr val="3C4043"/>
-              </a:solidFill>
-              <a:latin typeface="標楷體" panose="03000509000000000000" pitchFamily="65" charset="-120"/>
-              <a:ea typeface="標楷體" panose="03000509000000000000" pitchFamily="65" charset="-120"/>
-              <a:cs typeface="Times New Roman" panose="02020603050405020304" pitchFamily="18" charset="0"/>
-            </a:endParaRPr>
-          </a:p>
-          <a:p>
-            <a:pPr marL="628650" indent="-342900"/>
+              <a:t>資料只需清理，</a:t>
+            </a:r>
+            <a:r>
+              <a:rPr lang="zh-TW" altLang="en-US" sz="2400" dirty="0">
+                <a:solidFill>
+                  <a:srgbClr val="3C4043"/>
+                </a:solidFill>
+                <a:latin typeface="標楷體" panose="03000509000000000000" pitchFamily="65" charset="-120"/>
+                <a:ea typeface="標楷體" panose="03000509000000000000" pitchFamily="65" charset="-120"/>
+                <a:cs typeface="Times New Roman" panose="02020603050405020304" pitchFamily="18" charset="0"/>
+              </a:rPr>
+              <a:t>文件皆標明出處</a:t>
+            </a:r>
             <a:r>
               <a:rPr lang="zh-TW" altLang="en-US" sz="2400" b="0" i="0" dirty="0">
                 <a:solidFill>
@@ -16944,7 +16999,7 @@
                 <a:ea typeface="標楷體" panose="03000509000000000000" pitchFamily="65" charset="-120"/>
                 <a:cs typeface="Times New Roman" panose="02020603050405020304" pitchFamily="18" charset="0"/>
               </a:rPr>
-              <a:t>資料雜亂無章，但只需清理，所有文件都無可挑剔。符合</a:t>
+              <a:t>。符合</a:t>
             </a:r>
             <a:r>
               <a:rPr lang="en-US" altLang="zh-TW" sz="2400" b="0" i="0" dirty="0">
@@ -17240,6 +17295,9 @@
           <a:p>
             <a:r>
               <a:rPr lang="zh-TW" altLang="en-US" sz="4400" dirty="0">
+                <a:solidFill>
+                  <a:schemeClr val="bg1"/>
+                </a:solidFill>
                 <a:latin typeface="標楷體" panose="03000509000000000000" pitchFamily="65" charset="-120"/>
                 <a:ea typeface="標楷體" panose="03000509000000000000" pitchFamily="65" charset="-120"/>
                 <a:cs typeface="Times New Roman" panose="02020603050405020304" pitchFamily="18" charset="0"/>
@@ -17248,7 +17306,7 @@
             </a:r>
             <a:endParaRPr lang="en-US" altLang="zh-TW" kern="1200" dirty="0">
               <a:solidFill>
-                <a:srgbClr val="FFFFFF"/>
+                <a:schemeClr val="bg1"/>
               </a:solidFill>
               <a:latin typeface="Times New Roman" panose="02020603050405020304" pitchFamily="18" charset="0"/>
               <a:cs typeface="Times New Roman" panose="02020603050405020304" pitchFamily="18" charset="0"/>
@@ -17700,14 +17758,14 @@
           <a:lstStyle/>
           <a:p>
             <a:r>
-              <a:rPr lang="zh-TW" altLang="en-US" sz="3200" dirty="0">
+              <a:rPr lang="zh-TW" altLang="en-US" dirty="0">
                 <a:latin typeface="標楷體" panose="03000509000000000000" pitchFamily="65" charset="-120"/>
                 <a:ea typeface="標楷體" panose="03000509000000000000" pitchFamily="65" charset="-120"/>
                 <a:cs typeface="Times New Roman" panose="02020603050405020304" pitchFamily="18" charset="0"/>
               </a:rPr>
               <a:t>分析</a:t>
             </a:r>
-            <a:endParaRPr lang="en-US" altLang="zh-TW" sz="3200" dirty="0">
+            <a:endParaRPr lang="en-US" altLang="zh-TW" dirty="0">
               <a:latin typeface="Times New Roman" panose="02020603050405020304" pitchFamily="18" charset="0"/>
               <a:cs typeface="Times New Roman" panose="02020603050405020304" pitchFamily="18" charset="0"/>
             </a:endParaRPr>
@@ -17912,7 +17970,7 @@
                 <a:ea typeface="標楷體" panose="03000509000000000000" pitchFamily="65" charset="-120"/>
                 <a:cs typeface="Times New Roman" panose="02020603050405020304" pitchFamily="18" charset="0"/>
               </a:rPr>
-              <a:t>我的分析摘要</a:t>
+              <a:t>分析摘要</a:t>
             </a:r>
             <a:endParaRPr lang="en-US" altLang="zh-TW" sz="2200" dirty="0">
               <a:latin typeface="標楷體" panose="03000509000000000000" pitchFamily="65" charset="-120"/>
@@ -17928,7 +17986,7 @@
                 <a:ea typeface="標楷體" panose="03000509000000000000" pitchFamily="65" charset="-120"/>
                 <a:cs typeface="Times New Roman" panose="02020603050405020304" pitchFamily="18" charset="0"/>
               </a:rPr>
-              <a:t>散客的平均騎乘時間比會員的平均騎乘時間長。</a:t>
+              <a:t>散客的平均騎乘時間比會員的平均騎乘時間少。</a:t>
             </a:r>
             <a:endParaRPr lang="en-US" altLang="zh-TW" sz="2200" dirty="0">
               <a:latin typeface="標楷體" panose="03000509000000000000" pitchFamily="65" charset="-120"/>
